--- a/images/Johnny Dryman - Phase 3 Project Presentation.pptx
+++ b/images/Johnny Dryman - Phase 3 Project Presentation.pptx
@@ -8,15 +8,16 @@
     <p:sldId id="256" r:id="rId2"/>
     <p:sldId id="257" r:id="rId3"/>
     <p:sldId id="258" r:id="rId4"/>
-    <p:sldId id="259" r:id="rId5"/>
-    <p:sldId id="269" r:id="rId6"/>
-    <p:sldId id="260" r:id="rId7"/>
-    <p:sldId id="261" r:id="rId8"/>
+    <p:sldId id="261" r:id="rId5"/>
+    <p:sldId id="259" r:id="rId6"/>
+    <p:sldId id="269" r:id="rId7"/>
+    <p:sldId id="260" r:id="rId8"/>
     <p:sldId id="262" r:id="rId9"/>
     <p:sldId id="264" r:id="rId10"/>
     <p:sldId id="265" r:id="rId11"/>
-    <p:sldId id="266" r:id="rId12"/>
-    <p:sldId id="268" r:id="rId13"/>
+    <p:sldId id="270" r:id="rId12"/>
+    <p:sldId id="266" r:id="rId13"/>
+    <p:sldId id="268" r:id="rId14"/>
   </p:sldIdLst>
   <p:sldSz cx="12192000" cy="6858000"/>
   <p:notesSz cx="6858000" cy="9144000"/>
@@ -3564,7 +3565,7 @@
           <a:p>
             <a:fld id="{35BD7527-FF4D-45F5-94BD-52802EE40EF6}" type="datetimeFigureOut">
               <a:rPr lang="en-US" smtClean="0"/>
-              <a:t>5/31/2021</a:t>
+              <a:t>6/7/2021</a:t>
             </a:fld>
             <a:endParaRPr lang="en-US"/>
           </a:p>
@@ -3792,7 +3793,7 @@
           <a:p>
             <a:fld id="{35BD7527-FF4D-45F5-94BD-52802EE40EF6}" type="datetimeFigureOut">
               <a:rPr lang="en-US" smtClean="0"/>
-              <a:t>5/31/2021</a:t>
+              <a:t>6/7/2021</a:t>
             </a:fld>
             <a:endParaRPr lang="en-US"/>
           </a:p>
@@ -3972,7 +3973,7 @@
           <a:p>
             <a:fld id="{35BD7527-FF4D-45F5-94BD-52802EE40EF6}" type="datetimeFigureOut">
               <a:rPr lang="en-US" smtClean="0"/>
-              <a:t>5/31/2021</a:t>
+              <a:t>6/7/2021</a:t>
             </a:fld>
             <a:endParaRPr lang="en-US"/>
           </a:p>
@@ -4142,7 +4143,7 @@
           <a:p>
             <a:fld id="{35BD7527-FF4D-45F5-94BD-52802EE40EF6}" type="datetimeFigureOut">
               <a:rPr lang="en-US" smtClean="0"/>
-              <a:t>5/31/2021</a:t>
+              <a:t>6/7/2021</a:t>
             </a:fld>
             <a:endParaRPr lang="en-US"/>
           </a:p>
@@ -4396,7 +4397,7 @@
           <a:p>
             <a:fld id="{35BD7527-FF4D-45F5-94BD-52802EE40EF6}" type="datetimeFigureOut">
               <a:rPr lang="en-US" smtClean="0"/>
-              <a:t>5/31/2021</a:t>
+              <a:t>6/7/2021</a:t>
             </a:fld>
             <a:endParaRPr lang="en-US"/>
           </a:p>
@@ -4722,7 +4723,7 @@
           <a:p>
             <a:fld id="{35BD7527-FF4D-45F5-94BD-52802EE40EF6}" type="datetimeFigureOut">
               <a:rPr lang="en-US" smtClean="0"/>
-              <a:t>5/31/2021</a:t>
+              <a:t>6/7/2021</a:t>
             </a:fld>
             <a:endParaRPr lang="en-US"/>
           </a:p>
@@ -5173,7 +5174,7 @@
           <a:p>
             <a:fld id="{35BD7527-FF4D-45F5-94BD-52802EE40EF6}" type="datetimeFigureOut">
               <a:rPr lang="en-US" smtClean="0"/>
-              <a:t>5/31/2021</a:t>
+              <a:t>6/7/2021</a:t>
             </a:fld>
             <a:endParaRPr lang="en-US"/>
           </a:p>
@@ -5291,7 +5292,7 @@
           <a:p>
             <a:fld id="{35BD7527-FF4D-45F5-94BD-52802EE40EF6}" type="datetimeFigureOut">
               <a:rPr lang="en-US" smtClean="0"/>
-              <a:t>5/31/2021</a:t>
+              <a:t>6/7/2021</a:t>
             </a:fld>
             <a:endParaRPr lang="en-US"/>
           </a:p>
@@ -5386,7 +5387,7 @@
           <a:p>
             <a:fld id="{35BD7527-FF4D-45F5-94BD-52802EE40EF6}" type="datetimeFigureOut">
               <a:rPr lang="en-US" smtClean="0"/>
-              <a:t>5/31/2021</a:t>
+              <a:t>6/7/2021</a:t>
             </a:fld>
             <a:endParaRPr lang="en-US"/>
           </a:p>
@@ -5673,7 +5674,7 @@
           <a:p>
             <a:fld id="{35BD7527-FF4D-45F5-94BD-52802EE40EF6}" type="datetimeFigureOut">
               <a:rPr lang="en-US" smtClean="0"/>
-              <a:t>5/31/2021</a:t>
+              <a:t>6/7/2021</a:t>
             </a:fld>
             <a:endParaRPr lang="en-US"/>
           </a:p>
@@ -5995,7 +5996,7 @@
           <a:p>
             <a:fld id="{35BD7527-FF4D-45F5-94BD-52802EE40EF6}" type="datetimeFigureOut">
               <a:rPr lang="en-US" smtClean="0"/>
-              <a:t>5/31/2021</a:t>
+              <a:t>6/7/2021</a:t>
             </a:fld>
             <a:endParaRPr lang="en-US"/>
           </a:p>
@@ -6249,7 +6250,7 @@
           <a:p>
             <a:fld id="{35BD7527-FF4D-45F5-94BD-52802EE40EF6}" type="datetimeFigureOut">
               <a:rPr lang="en-US" smtClean="0"/>
-              <a:t>5/31/2021</a:t>
+              <a:t>6/7/2021</a:t>
             </a:fld>
             <a:endParaRPr lang="en-US"/>
           </a:p>
@@ -7028,12 +7029,12 @@
           <a:lstStyle/>
           <a:p>
             <a:r>
-              <a:rPr lang="en-US" sz="3600">
+              <a:rPr lang="en-US" sz="3600" dirty="0">
                 <a:solidFill>
                   <a:srgbClr val="FFFFFF"/>
                 </a:solidFill>
               </a:rPr>
-              <a:t>Conclusions and Recommendations</a:t>
+              <a:t>Conclusions</a:t>
             </a:r>
           </a:p>
         </p:txBody>
@@ -7068,7 +7069,7 @@
           <a:p>
             <a:r>
               <a:rPr lang="en-US" dirty="0"/>
-              <a:t>Total Gold is the most important factor in predicting a victory</a:t>
+              <a:t>Total Gold is the most important factor in predicting a victory, experience and average level are also important</a:t>
             </a:r>
           </a:p>
           <a:p>
@@ -7080,27 +7081,7 @@
           <a:p>
             <a:r>
               <a:rPr lang="en-US" dirty="0"/>
-              <a:t>Within the first 10 minutes, victory can be predicted with 72% accuracy</a:t>
-            </a:r>
-          </a:p>
-          <a:p>
-            <a:pPr lvl="1"/>
-            <a:r>
-              <a:rPr lang="en-US" dirty="0"/>
-              <a:t>Should this be the case?  Does sensing defeat this early discourage newer players?  Should it be lowered to 2/3 probability or 66%?</a:t>
-            </a:r>
-          </a:p>
-          <a:p>
-            <a:pPr lvl="1"/>
-            <a:r>
-              <a:rPr lang="en-US" dirty="0"/>
-              <a:t>To lower predictive quality, consider altering rewards for kills, dragon, and minions</a:t>
-            </a:r>
-          </a:p>
-          <a:p>
-            <a:r>
-              <a:rPr lang="en-US" dirty="0"/>
-              <a:t>Wards were barely relevant to our model, increasing their significance might add more complexity or variety to gameplay</a:t>
+              <a:t>Wards placed, wards destroyed, and assists were not significant to our model</a:t>
             </a:r>
           </a:p>
           <a:p>
@@ -7341,12 +7322,12 @@
           <a:lstStyle/>
           <a:p>
             <a:r>
-              <a:rPr lang="en-US" sz="3600">
+              <a:rPr lang="en-US" sz="3600" dirty="0">
                 <a:solidFill>
                   <a:srgbClr val="FFFFFF"/>
                 </a:solidFill>
               </a:rPr>
-              <a:t>Next Steps</a:t>
+              <a:t>Recommendations</a:t>
             </a:r>
           </a:p>
         </p:txBody>
@@ -7380,26 +7361,32 @@
           <a:lstStyle/>
           <a:p>
             <a:r>
-              <a:rPr lang="en-US" dirty="0"/>
-              <a:t>Expand dataset to include matches between mid-tier and low-tier players</a:t>
-            </a:r>
-          </a:p>
-          <a:p>
-            <a:r>
-              <a:rPr lang="en-US" dirty="0"/>
-              <a:t>Re-examine same matches from current dataset but at 20 and 30 minute intervals</a:t>
+              <a:rPr lang="en-US" sz="2000" dirty="0"/>
+              <a:t>Within the first 10 minutes, victory can be predicted with 72% accuracy</a:t>
             </a:r>
           </a:p>
           <a:p>
             <a:pPr lvl="1"/>
             <a:r>
-              <a:rPr lang="en-US" dirty="0"/>
-              <a:t>Does predictive quality improve or stay the same?</a:t>
+              <a:rPr lang="en-US" sz="1800" dirty="0"/>
+              <a:t>Should this be the case?  Does sensing defeat this early discourage newer players?  Should it be lowered to 2/3 probability or 66%?</a:t>
             </a:r>
           </a:p>
           <a:p>
             <a:pPr lvl="1"/>
-            <a:endParaRPr lang="en-US" dirty="0"/>
+            <a:r>
+              <a:rPr lang="en-US" sz="1800" dirty="0"/>
+              <a:t>To lower predictive quality, consider altering rewards for kills, dragon, and minions</a:t>
+            </a:r>
+          </a:p>
+          <a:p>
+            <a:r>
+              <a:rPr lang="en-US" sz="2000" dirty="0"/>
+              <a:t>Wards were barely relevant to our model, increasing their significance might add more complexity or variety to gameplay</a:t>
+            </a:r>
+          </a:p>
+          <a:p>
+            <a:endParaRPr lang="en-US" sz="2000" dirty="0"/>
           </a:p>
         </p:txBody>
       </p:sp>
@@ -7463,6 +7450,301 @@
     </p:spTree>
     <p:extLst>
       <p:ext uri="{BB962C8B-B14F-4D97-AF65-F5344CB8AC3E}">
+        <p14:creationId xmlns:p14="http://schemas.microsoft.com/office/powerpoint/2010/main" val="2239200462"/>
+      </p:ext>
+    </p:extLst>
+  </p:cSld>
+  <p:clrMapOvr>
+    <a:masterClrMapping/>
+  </p:clrMapOvr>
+</p:sld>
+</file>
+
+<file path=ppt/slides/slide12.xml><?xml version="1.0" encoding="utf-8"?>
+<p:sld xmlns:a="http://schemas.openxmlformats.org/drawingml/2006/main" xmlns:r="http://schemas.openxmlformats.org/officeDocument/2006/relationships" xmlns:p="http://schemas.openxmlformats.org/presentationml/2006/main">
+  <p:cSld>
+    <p:bg>
+      <p:bgPr>
+        <a:solidFill>
+          <a:schemeClr val="bg1"/>
+        </a:solidFill>
+        <a:effectLst/>
+      </p:bgPr>
+    </p:bg>
+    <p:spTree>
+      <p:nvGrpSpPr>
+        <p:cNvPr id="1" name=""/>
+        <p:cNvGrpSpPr/>
+        <p:nvPr/>
+      </p:nvGrpSpPr>
+      <p:grpSpPr>
+        <a:xfrm>
+          <a:off x="0" y="0"/>
+          <a:ext cx="0" cy="0"/>
+          <a:chOff x="0" y="0"/>
+          <a:chExt cx="0" cy="0"/>
+        </a:xfrm>
+      </p:grpSpPr>
+      <p:sp useBgFill="1">
+        <p:nvSpPr>
+          <p:cNvPr id="8" name="Rectangle 7">
+            <a:extLst>
+              <a:ext uri="{FF2B5EF4-FFF2-40B4-BE49-F238E27FC236}">
+                <a16:creationId xmlns:a16="http://schemas.microsoft.com/office/drawing/2014/main" id="{0AE80D91-18AA-438F-BFF4-E6BABFDFBABE}"/>
+              </a:ext>
+              <a:ext uri="{C183D7F6-B498-43B3-948B-1728B52AA6E4}">
+                <adec:decorative xmlns:adec="http://schemas.microsoft.com/office/drawing/2017/decorative" val="1"/>
+              </a:ext>
+            </a:extLst>
+          </p:cNvPr>
+          <p:cNvSpPr>
+            <a:spLocks noGrp="1" noRot="1" noChangeAspect="1" noMove="1" noResize="1" noEditPoints="1" noAdjustHandles="1" noChangeArrowheads="1" noChangeShapeType="1" noTextEdit="1"/>
+          </p:cNvSpPr>
+          <p:nvPr>
+            <p:extLst>
+              <p:ext uri="{386F3935-93C4-4BCD-93E2-E3B085C9AB24}">
+                <p16:designElem xmlns:p16="http://schemas.microsoft.com/office/powerpoint/2015/main" val="1"/>
+              </p:ext>
+            </p:extLst>
+          </p:nvPr>
+        </p:nvSpPr>
+        <p:spPr>
+          <a:xfrm>
+            <a:off x="0" y="0"/>
+            <a:ext cx="11292841" cy="6858000"/>
+          </a:xfrm>
+          <a:prstGeom prst="rect">
+            <a:avLst/>
+          </a:prstGeom>
+          <a:ln>
+            <a:noFill/>
+          </a:ln>
+        </p:spPr>
+        <p:style>
+          <a:lnRef idx="2">
+            <a:schemeClr val="accent1">
+              <a:shade val="50000"/>
+            </a:schemeClr>
+          </a:lnRef>
+          <a:fillRef idx="1">
+            <a:schemeClr val="accent1"/>
+          </a:fillRef>
+          <a:effectRef idx="0">
+            <a:schemeClr val="accent1"/>
+          </a:effectRef>
+          <a:fontRef idx="minor">
+            <a:schemeClr val="lt1"/>
+          </a:fontRef>
+        </p:style>
+      </p:sp>
+      <p:sp>
+        <p:nvSpPr>
+          <p:cNvPr id="10" name="Rectangle 9">
+            <a:extLst>
+              <a:ext uri="{FF2B5EF4-FFF2-40B4-BE49-F238E27FC236}">
+                <a16:creationId xmlns:a16="http://schemas.microsoft.com/office/drawing/2014/main" id="{EF05C5AB-8A34-4DF3-AB54-AD74AA4324E8}"/>
+              </a:ext>
+              <a:ext uri="{C183D7F6-B498-43B3-948B-1728B52AA6E4}">
+                <adec:decorative xmlns:adec="http://schemas.microsoft.com/office/drawing/2017/decorative" val="1"/>
+              </a:ext>
+            </a:extLst>
+          </p:cNvPr>
+          <p:cNvSpPr>
+            <a:spLocks noGrp="1" noRot="1" noChangeAspect="1" noMove="1" noResize="1" noEditPoints="1" noAdjustHandles="1" noChangeArrowheads="1" noChangeShapeType="1" noTextEdit="1"/>
+          </p:cNvSpPr>
+          <p:nvPr>
+            <p:extLst>
+              <p:ext uri="{386F3935-93C4-4BCD-93E2-E3B085C9AB24}">
+                <p16:designElem xmlns:p16="http://schemas.microsoft.com/office/powerpoint/2015/main" val="1"/>
+              </p:ext>
+            </p:extLst>
+          </p:nvPr>
+        </p:nvSpPr>
+        <p:spPr>
+          <a:xfrm>
+            <a:off x="6104698" y="0"/>
+            <a:ext cx="5188141" cy="6865461"/>
+          </a:xfrm>
+          <a:prstGeom prst="rect">
+            <a:avLst/>
+          </a:prstGeom>
+          <a:solidFill>
+            <a:schemeClr val="accent1">
+              <a:lumMod val="75000"/>
+            </a:schemeClr>
+          </a:solidFill>
+          <a:ln>
+            <a:noFill/>
+          </a:ln>
+        </p:spPr>
+        <p:style>
+          <a:lnRef idx="2">
+            <a:schemeClr val="accent1">
+              <a:shade val="50000"/>
+            </a:schemeClr>
+          </a:lnRef>
+          <a:fillRef idx="1">
+            <a:schemeClr val="accent1"/>
+          </a:fillRef>
+          <a:effectRef idx="0">
+            <a:schemeClr val="accent1"/>
+          </a:effectRef>
+          <a:fontRef idx="minor">
+            <a:schemeClr val="lt1"/>
+          </a:fontRef>
+        </p:style>
+      </p:sp>
+      <p:sp>
+        <p:nvSpPr>
+          <p:cNvPr id="2" name="Title 1">
+            <a:extLst>
+              <a:ext uri="{FF2B5EF4-FFF2-40B4-BE49-F238E27FC236}">
+                <a16:creationId xmlns:a16="http://schemas.microsoft.com/office/drawing/2014/main" id="{538D3545-1FB0-4EA4-AAAC-CD4D09B239C3}"/>
+              </a:ext>
+            </a:extLst>
+          </p:cNvPr>
+          <p:cNvSpPr>
+            <a:spLocks noGrp="1"/>
+          </p:cNvSpPr>
+          <p:nvPr>
+            <p:ph type="title"/>
+          </p:nvPr>
+        </p:nvSpPr>
+        <p:spPr>
+          <a:xfrm>
+            <a:off x="6902937" y="643466"/>
+            <a:ext cx="3962658" cy="5376334"/>
+          </a:xfrm>
+        </p:spPr>
+        <p:txBody>
+          <a:bodyPr anchor="ctr">
+            <a:normAutofit/>
+          </a:bodyPr>
+          <a:lstStyle/>
+          <a:p>
+            <a:r>
+              <a:rPr lang="en-US" sz="3600">
+                <a:solidFill>
+                  <a:srgbClr val="FFFFFF"/>
+                </a:solidFill>
+              </a:rPr>
+              <a:t>Next Steps</a:t>
+            </a:r>
+          </a:p>
+        </p:txBody>
+      </p:sp>
+      <p:sp>
+        <p:nvSpPr>
+          <p:cNvPr id="3" name="Content Placeholder 2">
+            <a:extLst>
+              <a:ext uri="{FF2B5EF4-FFF2-40B4-BE49-F238E27FC236}">
+                <a16:creationId xmlns:a16="http://schemas.microsoft.com/office/drawing/2014/main" id="{D54FD66A-5C0C-4203-8307-58D808FE0649}"/>
+              </a:ext>
+            </a:extLst>
+          </p:cNvPr>
+          <p:cNvSpPr>
+            <a:spLocks noGrp="1"/>
+          </p:cNvSpPr>
+          <p:nvPr>
+            <p:ph idx="1"/>
+          </p:nvPr>
+        </p:nvSpPr>
+        <p:spPr>
+          <a:xfrm>
+            <a:off x="643467" y="643467"/>
+            <a:ext cx="4817766" cy="5578528"/>
+          </a:xfrm>
+        </p:spPr>
+        <p:txBody>
+          <a:bodyPr anchor="ctr">
+            <a:normAutofit/>
+          </a:bodyPr>
+          <a:lstStyle/>
+          <a:p>
+            <a:r>
+              <a:rPr lang="en-US" dirty="0"/>
+              <a:t>Expand dataset to include matches between mid-tier and low-tier players</a:t>
+            </a:r>
+          </a:p>
+          <a:p>
+            <a:r>
+              <a:rPr lang="en-US" dirty="0"/>
+              <a:t>Re-examine same matches from current dataset but at 20 and 30 minute intervals</a:t>
+            </a:r>
+          </a:p>
+          <a:p>
+            <a:pPr lvl="1"/>
+            <a:r>
+              <a:rPr lang="en-US" dirty="0"/>
+              <a:t>Does predictive quality improve or stay the same?</a:t>
+            </a:r>
+          </a:p>
+          <a:p>
+            <a:pPr lvl="1"/>
+            <a:endParaRPr lang="en-US" dirty="0"/>
+          </a:p>
+        </p:txBody>
+      </p:sp>
+      <p:sp>
+        <p:nvSpPr>
+          <p:cNvPr id="12" name="Rectangle 11">
+            <a:extLst>
+              <a:ext uri="{FF2B5EF4-FFF2-40B4-BE49-F238E27FC236}">
+                <a16:creationId xmlns:a16="http://schemas.microsoft.com/office/drawing/2014/main" id="{AA3B856C-9196-4702-BED7-5733C7EAA667}"/>
+              </a:ext>
+              <a:ext uri="{C183D7F6-B498-43B3-948B-1728B52AA6E4}">
+                <adec:decorative xmlns:adec="http://schemas.microsoft.com/office/drawing/2017/decorative" val="1"/>
+              </a:ext>
+            </a:extLst>
+          </p:cNvPr>
+          <p:cNvSpPr>
+            <a:spLocks noGrp="1" noRot="1" noChangeAspect="1" noMove="1" noResize="1" noEditPoints="1" noAdjustHandles="1" noChangeArrowheads="1" noChangeShapeType="1" noTextEdit="1"/>
+          </p:cNvSpPr>
+          <p:nvPr>
+            <p:extLst>
+              <p:ext uri="{386F3935-93C4-4BCD-93E2-E3B085C9AB24}">
+                <p16:designElem xmlns:p16="http://schemas.microsoft.com/office/powerpoint/2015/main" val="1"/>
+              </p:ext>
+            </p:extLst>
+          </p:nvPr>
+        </p:nvSpPr>
+        <p:spPr>
+          <a:xfrm>
+            <a:off x="11277600" y="0"/>
+            <a:ext cx="914400" cy="6858000"/>
+          </a:xfrm>
+          <a:prstGeom prst="rect">
+            <a:avLst/>
+          </a:prstGeom>
+          <a:solidFill>
+            <a:schemeClr val="tx2">
+              <a:lumMod val="75000"/>
+            </a:schemeClr>
+          </a:solidFill>
+          <a:ln>
+            <a:noFill/>
+          </a:ln>
+        </p:spPr>
+        <p:style>
+          <a:lnRef idx="2">
+            <a:schemeClr val="accent1">
+              <a:shade val="50000"/>
+            </a:schemeClr>
+          </a:lnRef>
+          <a:fillRef idx="1">
+            <a:schemeClr val="accent1"/>
+          </a:fillRef>
+          <a:effectRef idx="0">
+            <a:schemeClr val="accent1"/>
+          </a:effectRef>
+          <a:fontRef idx="minor">
+            <a:schemeClr val="lt1"/>
+          </a:fontRef>
+        </p:style>
+      </p:sp>
+    </p:spTree>
+    <p:extLst>
+      <p:ext uri="{BB962C8B-B14F-4D97-AF65-F5344CB8AC3E}">
         <p14:creationId xmlns:p14="http://schemas.microsoft.com/office/powerpoint/2010/main" val="308090494"/>
       </p:ext>
     </p:extLst>
@@ -7473,7 +7755,7 @@
 </p:sld>
 </file>
 
-<file path=ppt/slides/slide12.xml><?xml version="1.0" encoding="utf-8"?>
+<file path=ppt/slides/slide13.xml><?xml version="1.0" encoding="utf-8"?>
 <p:sld xmlns:a="http://schemas.openxmlformats.org/drawingml/2006/main" xmlns:r="http://schemas.openxmlformats.org/officeDocument/2006/relationships" xmlns:p="http://schemas.openxmlformats.org/presentationml/2006/main">
   <p:cSld>
     <p:spTree>
@@ -7740,7 +8022,7 @@
           <a:lstStyle/>
           <a:p>
             <a:r>
-              <a:rPr lang="en-US" sz="2800">
+              <a:rPr lang="en-US" sz="2800" dirty="0">
                 <a:solidFill>
                   <a:srgbClr val="FFFFFF"/>
                 </a:solidFill>
@@ -7847,23 +8129,8 @@
             <a:pPr lvl="1"/>
             <a:r>
               <a:rPr lang="en-US" sz="2400" dirty="0"/>
-              <a:t>Logistic Regression</a:t>
-            </a:r>
-          </a:p>
-          <a:p>
-            <a:pPr lvl="1"/>
-            <a:r>
-              <a:rPr lang="en-US" sz="2400" dirty="0"/>
-              <a:t>Random Forest</a:t>
-            </a:r>
-          </a:p>
-          <a:p>
-            <a:pPr lvl="1"/>
-            <a:r>
-              <a:rPr lang="en-US" sz="2400" dirty="0" err="1"/>
-              <a:t>XGBoost</a:t>
-            </a:r>
-            <a:endParaRPr lang="en-US" sz="2400" dirty="0"/>
+              <a:t>Best model - Logistic Regression with Grid Search CV</a:t>
+            </a:r>
           </a:p>
           <a:p>
             <a:r>
@@ -8251,6 +8518,148 @@
 </file>
 
 <file path=ppt/slides/slide4.xml><?xml version="1.0" encoding="utf-8"?>
+<p:sld xmlns:a="http://schemas.openxmlformats.org/drawingml/2006/main" xmlns:r="http://schemas.openxmlformats.org/officeDocument/2006/relationships" xmlns:p="http://schemas.openxmlformats.org/presentationml/2006/main">
+  <p:cSld>
+    <p:bg>
+      <p:bgRef idx="1001">
+        <a:schemeClr val="bg1"/>
+      </p:bgRef>
+    </p:bg>
+    <p:spTree>
+      <p:nvGrpSpPr>
+        <p:cNvPr id="1" name=""/>
+        <p:cNvGrpSpPr/>
+        <p:nvPr/>
+      </p:nvGrpSpPr>
+      <p:grpSpPr>
+        <a:xfrm>
+          <a:off x="0" y="0"/>
+          <a:ext cx="0" cy="0"/>
+          <a:chOff x="0" y="0"/>
+          <a:chExt cx="0" cy="0"/>
+        </a:xfrm>
+      </p:grpSpPr>
+      <p:sp>
+        <p:nvSpPr>
+          <p:cNvPr id="2" name="Title 1">
+            <a:extLst>
+              <a:ext uri="{FF2B5EF4-FFF2-40B4-BE49-F238E27FC236}">
+                <a16:creationId xmlns:a16="http://schemas.microsoft.com/office/drawing/2014/main" id="{678C7175-4687-44BC-A8CE-501592326B8E}"/>
+              </a:ext>
+            </a:extLst>
+          </p:cNvPr>
+          <p:cNvSpPr>
+            <a:spLocks noGrp="1"/>
+          </p:cNvSpPr>
+          <p:nvPr>
+            <p:ph type="title"/>
+          </p:nvPr>
+        </p:nvSpPr>
+        <p:spPr/>
+        <p:txBody>
+          <a:bodyPr/>
+          <a:lstStyle/>
+          <a:p>
+            <a:r>
+              <a:rPr lang="en-US" dirty="0"/>
+              <a:t>Predicting Victory With All Features</a:t>
+            </a:r>
+          </a:p>
+        </p:txBody>
+      </p:sp>
+      <p:graphicFrame>
+        <p:nvGraphicFramePr>
+          <p:cNvPr id="5" name="Content Placeholder 2">
+            <a:extLst>
+              <a:ext uri="{FF2B5EF4-FFF2-40B4-BE49-F238E27FC236}">
+                <a16:creationId xmlns:a16="http://schemas.microsoft.com/office/drawing/2014/main" id="{FA8A137B-3E40-489A-8F58-E172C9E17159}"/>
+              </a:ext>
+            </a:extLst>
+          </p:cNvPr>
+          <p:cNvGraphicFramePr>
+            <a:graphicFrameLocks noGrp="1"/>
+          </p:cNvGraphicFramePr>
+          <p:nvPr>
+            <p:ph idx="1"/>
+            <p:extLst>
+              <p:ext uri="{D42A27DB-BD31-4B8C-83A1-F6EECF244321}">
+                <p14:modId xmlns:p14="http://schemas.microsoft.com/office/powerpoint/2010/main" val="3363876198"/>
+              </p:ext>
+            </p:extLst>
+          </p:nvPr>
+        </p:nvGraphicFramePr>
+        <p:xfrm>
+          <a:off x="838200" y="1622179"/>
+          <a:ext cx="10515600" cy="3613641"/>
+        </p:xfrm>
+        <a:graphic>
+          <a:graphicData uri="http://schemas.openxmlformats.org/drawingml/2006/diagram">
+            <dgm:relIds xmlns:dgm="http://schemas.openxmlformats.org/drawingml/2006/diagram" xmlns:r="http://schemas.openxmlformats.org/officeDocument/2006/relationships" r:dm="rId2" r:lo="rId3" r:qs="rId4" r:cs="rId5"/>
+          </a:graphicData>
+        </a:graphic>
+      </p:graphicFrame>
+      <p:sp>
+        <p:nvSpPr>
+          <p:cNvPr id="4" name="TextBox 3">
+            <a:extLst>
+              <a:ext uri="{FF2B5EF4-FFF2-40B4-BE49-F238E27FC236}">
+                <a16:creationId xmlns:a16="http://schemas.microsoft.com/office/drawing/2014/main" id="{03498526-91EB-4FF8-8110-D9BC58F3EE68}"/>
+              </a:ext>
+            </a:extLst>
+          </p:cNvPr>
+          <p:cNvSpPr txBox="1"/>
+          <p:nvPr/>
+        </p:nvSpPr>
+        <p:spPr>
+          <a:xfrm>
+            <a:off x="838200" y="5235820"/>
+            <a:ext cx="9842369" cy="954107"/>
+          </a:xfrm>
+          <a:prstGeom prst="rect">
+            <a:avLst/>
+          </a:prstGeom>
+          <a:noFill/>
+        </p:spPr>
+        <p:txBody>
+          <a:bodyPr wrap="square" rtlCol="0">
+            <a:spAutoFit/>
+          </a:bodyPr>
+          <a:lstStyle/>
+          <a:p>
+            <a:pPr marL="0" indent="0">
+              <a:buNone/>
+            </a:pPr>
+            <a:r>
+              <a:rPr lang="en-US" sz="2800" dirty="0"/>
+              <a:t>Best model: Logistic Regression with Grid Search</a:t>
+            </a:r>
+          </a:p>
+          <a:p>
+            <a:pPr marL="457200" indent="-457200">
+              <a:buFont typeface="Arial" panose="020B0604020202020204" pitchFamily="34" charset="0"/>
+              <a:buChar char="•"/>
+            </a:pPr>
+            <a:r>
+              <a:rPr lang="en-US" sz="2800" dirty="0"/>
+              <a:t>Accuracy: 72.1%</a:t>
+            </a:r>
+          </a:p>
+        </p:txBody>
+      </p:sp>
+    </p:spTree>
+    <p:extLst>
+      <p:ext uri="{BB962C8B-B14F-4D97-AF65-F5344CB8AC3E}">
+        <p14:creationId xmlns:p14="http://schemas.microsoft.com/office/powerpoint/2010/main" val="1351574780"/>
+      </p:ext>
+    </p:extLst>
+  </p:cSld>
+  <p:clrMapOvr>
+    <a:overrideClrMapping bg1="lt1" tx1="dk1" bg2="lt2" tx2="dk2" accent1="accent1" accent2="accent2" accent3="accent3" accent4="accent4" accent5="accent5" accent6="accent6" hlink="hlink" folHlink="folHlink"/>
+  </p:clrMapOvr>
+</p:sld>
+</file>
+
+<file path=ppt/slides/slide5.xml><?xml version="1.0" encoding="utf-8"?>
 <p:sld xmlns:a="http://schemas.openxmlformats.org/drawingml/2006/main" xmlns:r="http://schemas.openxmlformats.org/officeDocument/2006/relationships" xmlns:p="http://schemas.openxmlformats.org/presentationml/2006/main">
   <p:cSld>
     <p:bg>
@@ -8418,7 +8827,7 @@
 </p:sld>
 </file>
 
-<file path=ppt/slides/slide5.xml><?xml version="1.0" encoding="utf-8"?>
+<file path=ppt/slides/slide6.xml><?xml version="1.0" encoding="utf-8"?>
 <p:sld xmlns:a="http://schemas.openxmlformats.org/drawingml/2006/main" xmlns:r="http://schemas.openxmlformats.org/officeDocument/2006/relationships" xmlns:p="http://schemas.openxmlformats.org/presentationml/2006/main">
   <p:cSld>
     <p:bg>
@@ -8574,7 +8983,7 @@
 </p:sld>
 </file>
 
-<file path=ppt/slides/slide6.xml><?xml version="1.0" encoding="utf-8"?>
+<file path=ppt/slides/slide7.xml><?xml version="1.0" encoding="utf-8"?>
 <p:sld xmlns:a="http://schemas.openxmlformats.org/drawingml/2006/main" xmlns:r="http://schemas.openxmlformats.org/officeDocument/2006/relationships" xmlns:p="http://schemas.openxmlformats.org/presentationml/2006/main">
   <p:cSld>
     <p:bg>
@@ -8729,148 +9138,6 @@
     <p:extLst>
       <p:ext uri="{BB962C8B-B14F-4D97-AF65-F5344CB8AC3E}">
         <p14:creationId xmlns:p14="http://schemas.microsoft.com/office/powerpoint/2010/main" val="2002075890"/>
-      </p:ext>
-    </p:extLst>
-  </p:cSld>
-  <p:clrMapOvr>
-    <a:overrideClrMapping bg1="lt1" tx1="dk1" bg2="lt2" tx2="dk2" accent1="accent1" accent2="accent2" accent3="accent3" accent4="accent4" accent5="accent5" accent6="accent6" hlink="hlink" folHlink="folHlink"/>
-  </p:clrMapOvr>
-</p:sld>
-</file>
-
-<file path=ppt/slides/slide7.xml><?xml version="1.0" encoding="utf-8"?>
-<p:sld xmlns:a="http://schemas.openxmlformats.org/drawingml/2006/main" xmlns:r="http://schemas.openxmlformats.org/officeDocument/2006/relationships" xmlns:p="http://schemas.openxmlformats.org/presentationml/2006/main">
-  <p:cSld>
-    <p:bg>
-      <p:bgRef idx="1001">
-        <a:schemeClr val="bg1"/>
-      </p:bgRef>
-    </p:bg>
-    <p:spTree>
-      <p:nvGrpSpPr>
-        <p:cNvPr id="1" name=""/>
-        <p:cNvGrpSpPr/>
-        <p:nvPr/>
-      </p:nvGrpSpPr>
-      <p:grpSpPr>
-        <a:xfrm>
-          <a:off x="0" y="0"/>
-          <a:ext cx="0" cy="0"/>
-          <a:chOff x="0" y="0"/>
-          <a:chExt cx="0" cy="0"/>
-        </a:xfrm>
-      </p:grpSpPr>
-      <p:sp>
-        <p:nvSpPr>
-          <p:cNvPr id="2" name="Title 1">
-            <a:extLst>
-              <a:ext uri="{FF2B5EF4-FFF2-40B4-BE49-F238E27FC236}">
-                <a16:creationId xmlns:a16="http://schemas.microsoft.com/office/drawing/2014/main" id="{678C7175-4687-44BC-A8CE-501592326B8E}"/>
-              </a:ext>
-            </a:extLst>
-          </p:cNvPr>
-          <p:cNvSpPr>
-            <a:spLocks noGrp="1"/>
-          </p:cNvSpPr>
-          <p:nvPr>
-            <p:ph type="title"/>
-          </p:nvPr>
-        </p:nvSpPr>
-        <p:spPr/>
-        <p:txBody>
-          <a:bodyPr/>
-          <a:lstStyle/>
-          <a:p>
-            <a:r>
-              <a:rPr lang="en-US" dirty="0"/>
-              <a:t>Predicting Victory With All Features</a:t>
-            </a:r>
-          </a:p>
-        </p:txBody>
-      </p:sp>
-      <p:graphicFrame>
-        <p:nvGraphicFramePr>
-          <p:cNvPr id="5" name="Content Placeholder 2">
-            <a:extLst>
-              <a:ext uri="{FF2B5EF4-FFF2-40B4-BE49-F238E27FC236}">
-                <a16:creationId xmlns:a16="http://schemas.microsoft.com/office/drawing/2014/main" id="{FA8A137B-3E40-489A-8F58-E172C9E17159}"/>
-              </a:ext>
-            </a:extLst>
-          </p:cNvPr>
-          <p:cNvGraphicFramePr>
-            <a:graphicFrameLocks noGrp="1"/>
-          </p:cNvGraphicFramePr>
-          <p:nvPr>
-            <p:ph idx="1"/>
-            <p:extLst>
-              <p:ext uri="{D42A27DB-BD31-4B8C-83A1-F6EECF244321}">
-                <p14:modId xmlns:p14="http://schemas.microsoft.com/office/powerpoint/2010/main" val="3363876198"/>
-              </p:ext>
-            </p:extLst>
-          </p:nvPr>
-        </p:nvGraphicFramePr>
-        <p:xfrm>
-          <a:off x="838200" y="1622179"/>
-          <a:ext cx="10515600" cy="3613641"/>
-        </p:xfrm>
-        <a:graphic>
-          <a:graphicData uri="http://schemas.openxmlformats.org/drawingml/2006/diagram">
-            <dgm:relIds xmlns:dgm="http://schemas.openxmlformats.org/drawingml/2006/diagram" xmlns:r="http://schemas.openxmlformats.org/officeDocument/2006/relationships" r:dm="rId2" r:lo="rId3" r:qs="rId4" r:cs="rId5"/>
-          </a:graphicData>
-        </a:graphic>
-      </p:graphicFrame>
-      <p:sp>
-        <p:nvSpPr>
-          <p:cNvPr id="4" name="TextBox 3">
-            <a:extLst>
-              <a:ext uri="{FF2B5EF4-FFF2-40B4-BE49-F238E27FC236}">
-                <a16:creationId xmlns:a16="http://schemas.microsoft.com/office/drawing/2014/main" id="{03498526-91EB-4FF8-8110-D9BC58F3EE68}"/>
-              </a:ext>
-            </a:extLst>
-          </p:cNvPr>
-          <p:cNvSpPr txBox="1"/>
-          <p:nvPr/>
-        </p:nvSpPr>
-        <p:spPr>
-          <a:xfrm>
-            <a:off x="838200" y="5235820"/>
-            <a:ext cx="9842369" cy="954107"/>
-          </a:xfrm>
-          <a:prstGeom prst="rect">
-            <a:avLst/>
-          </a:prstGeom>
-          <a:noFill/>
-        </p:spPr>
-        <p:txBody>
-          <a:bodyPr wrap="square" rtlCol="0">
-            <a:spAutoFit/>
-          </a:bodyPr>
-          <a:lstStyle/>
-          <a:p>
-            <a:pPr marL="0" indent="0">
-              <a:buNone/>
-            </a:pPr>
-            <a:r>
-              <a:rPr lang="en-US" sz="2800" dirty="0"/>
-              <a:t>Best model: Logistic Regression with Grid Search</a:t>
-            </a:r>
-          </a:p>
-          <a:p>
-            <a:pPr marL="457200" indent="-457200">
-              <a:buFont typeface="Arial" panose="020B0604020202020204" pitchFamily="34" charset="0"/>
-              <a:buChar char="•"/>
-            </a:pPr>
-            <a:r>
-              <a:rPr lang="en-US" sz="2800" dirty="0"/>
-              <a:t>Accuracy: 72.1%</a:t>
-            </a:r>
-          </a:p>
-        </p:txBody>
-      </p:sp>
-    </p:spTree>
-    <p:extLst>
-      <p:ext uri="{BB962C8B-B14F-4D97-AF65-F5344CB8AC3E}">
-        <p14:creationId xmlns:p14="http://schemas.microsoft.com/office/powerpoint/2010/main" val="1351574780"/>
       </p:ext>
     </p:extLst>
   </p:cSld>
@@ -9202,19 +9469,17 @@
       </p:sp>
       <p:pic>
         <p:nvPicPr>
-          <p:cNvPr id="19" name="Content Placeholder 18" descr="Chart, bar chart&#10;&#10;Description automatically generated">
+          <p:cNvPr id="4" name="Picture 3" descr="Chart&#10;&#10;Description automatically generated">
             <a:extLst>
               <a:ext uri="{FF2B5EF4-FFF2-40B4-BE49-F238E27FC236}">
-                <a16:creationId xmlns:a16="http://schemas.microsoft.com/office/drawing/2014/main" id="{7740E1B9-8673-4D19-ABB6-10DE8ABCEA0E}"/>
+                <a16:creationId xmlns:a16="http://schemas.microsoft.com/office/drawing/2014/main" id="{C8F452E8-C644-49F0-B1F4-3AB16AD003B8}"/>
               </a:ext>
             </a:extLst>
           </p:cNvPr>
           <p:cNvPicPr>
-            <a:picLocks noGrp="1" noChangeAspect="1"/>
+            <a:picLocks noChangeAspect="1"/>
           </p:cNvPicPr>
-          <p:nvPr>
-            <p:ph idx="1"/>
-          </p:nvPr>
+          <p:nvPr/>
         </p:nvPicPr>
         <p:blipFill>
           <a:blip r:embed="rId2">
@@ -9230,9 +9495,12 @@
         </p:blipFill>
         <p:spPr>
           <a:xfrm>
-            <a:off x="254062" y="271534"/>
-            <a:ext cx="7436829" cy="6197359"/>
+            <a:off x="0" y="253720"/>
+            <a:ext cx="7620670" cy="6350560"/>
           </a:xfrm>
+          <a:prstGeom prst="rect">
+            <a:avLst/>
+          </a:prstGeom>
         </p:spPr>
       </p:pic>
     </p:spTree>
@@ -9559,19 +9827,17 @@
       </p:sp>
       <p:pic>
         <p:nvPicPr>
-          <p:cNvPr id="12" name="Content Placeholder 11" descr="Chart, bar chart&#10;&#10;Description automatically generated">
+          <p:cNvPr id="6" name="Picture 5" descr="Chart, bar chart&#10;&#10;Description automatically generated">
             <a:extLst>
               <a:ext uri="{FF2B5EF4-FFF2-40B4-BE49-F238E27FC236}">
-                <a16:creationId xmlns:a16="http://schemas.microsoft.com/office/drawing/2014/main" id="{460C9900-0F63-4448-A3DC-8DAB649111B6}"/>
+                <a16:creationId xmlns:a16="http://schemas.microsoft.com/office/drawing/2014/main" id="{4F67C826-0563-411F-8D01-8A10AD551351}"/>
               </a:ext>
             </a:extLst>
           </p:cNvPr>
           <p:cNvPicPr>
-            <a:picLocks noGrp="1" noChangeAspect="1"/>
+            <a:picLocks noChangeAspect="1"/>
           </p:cNvPicPr>
-          <p:nvPr>
-            <p:ph idx="1"/>
-          </p:nvPr>
+          <p:nvPr/>
         </p:nvPicPr>
         <p:blipFill>
           <a:blip r:embed="rId2">
@@ -9587,9 +9853,12 @@
         </p:blipFill>
         <p:spPr>
           <a:xfrm>
-            <a:off x="244334" y="262646"/>
-            <a:ext cx="7382151" cy="6151793"/>
+            <a:off x="0" y="255395"/>
+            <a:ext cx="7616651" cy="6347209"/>
           </a:xfrm>
+          <a:prstGeom prst="rect">
+            <a:avLst/>
+          </a:prstGeom>
         </p:spPr>
       </p:pic>
     </p:spTree>
@@ -9856,4 +10125,47 @@
     </a:ext>
   </a:extLst>
 </a:theme>
+</file>
+
+<file path=ppt/theme/themeOverride1.xml><?xml version="1.0" encoding="utf-8"?>
+<a:themeOverride xmlns:a="http://schemas.openxmlformats.org/drawingml/2006/main">
+  <a:clrScheme name="View">
+    <a:dk1>
+      <a:srgbClr val="000000"/>
+    </a:dk1>
+    <a:lt1>
+      <a:srgbClr val="FFFFFF"/>
+    </a:lt1>
+    <a:dk2>
+      <a:srgbClr val="46464A"/>
+    </a:dk2>
+    <a:lt2>
+      <a:srgbClr val="D6D3CC"/>
+    </a:lt2>
+    <a:accent1>
+      <a:srgbClr val="6F6F74"/>
+    </a:accent1>
+    <a:accent2>
+      <a:srgbClr val="92A9B9"/>
+    </a:accent2>
+    <a:accent3>
+      <a:srgbClr val="A7B789"/>
+    </a:accent3>
+    <a:accent4>
+      <a:srgbClr val="B9A489"/>
+    </a:accent4>
+    <a:accent5>
+      <a:srgbClr val="8D6374"/>
+    </a:accent5>
+    <a:accent6>
+      <a:srgbClr val="9B7362"/>
+    </a:accent6>
+    <a:hlink>
+      <a:srgbClr val="67AABF"/>
+    </a:hlink>
+    <a:folHlink>
+      <a:srgbClr val="ABAFA5"/>
+    </a:folHlink>
+  </a:clrScheme>
+</a:themeOverride>
 </file>